--- a/PresentazioneProgetto2.pptx
+++ b/PresentazioneProgetto2.pptx
@@ -117,6 +117,11 @@
       </a:defRPr>
     </a:lvl9pPr>
   </p:defaultTextStyle>
+  <p:extLst>
+    <p:ext uri="{EFAFB233-063F-42B5-8137-9DF3F51BA10A}">
+      <p15:sldGuideLst xmlns:p15="http://schemas.microsoft.com/office/powerpoint/2012/main"/>
+    </p:ext>
+  </p:extLst>
 </p:presentation>
 </file>
 
@@ -3484,8 +3489,8 @@
         </p:blipFill>
         <p:spPr>
           <a:xfrm>
-            <a:off x="4047703" y="853857"/>
-            <a:ext cx="4096593" cy="5546944"/>
+            <a:off x="4953394" y="531223"/>
+            <a:ext cx="4096593" cy="5947955"/>
           </a:xfrm>
           <a:prstGeom prst="rect">
             <a:avLst/>
@@ -3891,8 +3896,8 @@
               <a:t>3 esempi per ogni </a:t>
             </a:r>
             <a:r>
-              <a:rPr lang="it-CH" dirty="0" err="1" smtClean="0"/>
-              <a:t>cominazione</a:t>
+              <a:rPr lang="it-CH" dirty="0" smtClean="0"/>
+              <a:t>combinazione</a:t>
             </a:r>
             <a:endParaRPr lang="it-CH" dirty="0" smtClean="0"/>
           </a:p>
